--- a/office/A2D-mikes.pptx
+++ b/office/A2D-mikes.pptx
@@ -9367,7 +9367,7 @@
           <a:p>
             <a:fld id="{726AE30B-1C7C-4541-8B93-3B3E43E55C90}" type="datetimeFigureOut">
               <a:rPr lang="en-CA" smtClean="0"/>
-              <a:t>2025-11-21</a:t>
+              <a:t>2025-11-27</a:t>
             </a:fld>
             <a:endParaRPr lang="en-CA"/>
           </a:p>
@@ -10129,7 +10129,7 @@
           <a:p>
             <a:fld id="{F12842A0-BC8A-4D15-9ACA-9710C32CF85F}" type="datetimeFigureOut">
               <a:rPr lang="en-CA" smtClean="0"/>
-              <a:t>2025-11-21</a:t>
+              <a:t>2025-11-27</a:t>
             </a:fld>
             <a:endParaRPr lang="en-CA"/>
           </a:p>
@@ -10329,7 +10329,7 @@
           <a:p>
             <a:fld id="{F12842A0-BC8A-4D15-9ACA-9710C32CF85F}" type="datetimeFigureOut">
               <a:rPr lang="en-CA" smtClean="0"/>
-              <a:t>2025-11-21</a:t>
+              <a:t>2025-11-27</a:t>
             </a:fld>
             <a:endParaRPr lang="en-CA"/>
           </a:p>
@@ -10539,7 +10539,7 @@
           <a:p>
             <a:fld id="{F12842A0-BC8A-4D15-9ACA-9710C32CF85F}" type="datetimeFigureOut">
               <a:rPr lang="en-CA" smtClean="0"/>
-              <a:t>2025-11-21</a:t>
+              <a:t>2025-11-27</a:t>
             </a:fld>
             <a:endParaRPr lang="en-CA"/>
           </a:p>
@@ -10739,7 +10739,7 @@
           <a:p>
             <a:fld id="{F12842A0-BC8A-4D15-9ACA-9710C32CF85F}" type="datetimeFigureOut">
               <a:rPr lang="en-CA" smtClean="0"/>
-              <a:t>2025-11-21</a:t>
+              <a:t>2025-11-27</a:t>
             </a:fld>
             <a:endParaRPr lang="en-CA"/>
           </a:p>
@@ -11015,7 +11015,7 @@
           <a:p>
             <a:fld id="{F12842A0-BC8A-4D15-9ACA-9710C32CF85F}" type="datetimeFigureOut">
               <a:rPr lang="en-CA" smtClean="0"/>
-              <a:t>2025-11-21</a:t>
+              <a:t>2025-11-27</a:t>
             </a:fld>
             <a:endParaRPr lang="en-CA"/>
           </a:p>
@@ -11283,7 +11283,7 @@
           <a:p>
             <a:fld id="{F12842A0-BC8A-4D15-9ACA-9710C32CF85F}" type="datetimeFigureOut">
               <a:rPr lang="en-CA" smtClean="0"/>
-              <a:t>2025-11-21</a:t>
+              <a:t>2025-11-27</a:t>
             </a:fld>
             <a:endParaRPr lang="en-CA"/>
           </a:p>
@@ -11698,7 +11698,7 @@
           <a:p>
             <a:fld id="{F12842A0-BC8A-4D15-9ACA-9710C32CF85F}" type="datetimeFigureOut">
               <a:rPr lang="en-CA" smtClean="0"/>
-              <a:t>2025-11-21</a:t>
+              <a:t>2025-11-27</a:t>
             </a:fld>
             <a:endParaRPr lang="en-CA"/>
           </a:p>
@@ -11840,7 +11840,7 @@
           <a:p>
             <a:fld id="{F12842A0-BC8A-4D15-9ACA-9710C32CF85F}" type="datetimeFigureOut">
               <a:rPr lang="en-CA" smtClean="0"/>
-              <a:t>2025-11-21</a:t>
+              <a:t>2025-11-27</a:t>
             </a:fld>
             <a:endParaRPr lang="en-CA"/>
           </a:p>
@@ -11953,7 +11953,7 @@
           <a:p>
             <a:fld id="{F12842A0-BC8A-4D15-9ACA-9710C32CF85F}" type="datetimeFigureOut">
               <a:rPr lang="en-CA" smtClean="0"/>
-              <a:t>2025-11-21</a:t>
+              <a:t>2025-11-27</a:t>
             </a:fld>
             <a:endParaRPr lang="en-CA"/>
           </a:p>
@@ -12266,7 +12266,7 @@
           <a:p>
             <a:fld id="{F12842A0-BC8A-4D15-9ACA-9710C32CF85F}" type="datetimeFigureOut">
               <a:rPr lang="en-CA" smtClean="0"/>
-              <a:t>2025-11-21</a:t>
+              <a:t>2025-11-27</a:t>
             </a:fld>
             <a:endParaRPr lang="en-CA"/>
           </a:p>
@@ -12555,7 +12555,7 @@
           <a:p>
             <a:fld id="{F12842A0-BC8A-4D15-9ACA-9710C32CF85F}" type="datetimeFigureOut">
               <a:rPr lang="en-CA" smtClean="0"/>
-              <a:t>2025-11-21</a:t>
+              <a:t>2025-11-27</a:t>
             </a:fld>
             <a:endParaRPr lang="en-CA"/>
           </a:p>
@@ -12798,7 +12798,7 @@
           <a:p>
             <a:fld id="{F12842A0-BC8A-4D15-9ACA-9710C32CF85F}" type="datetimeFigureOut">
               <a:rPr lang="en-CA" smtClean="0"/>
-              <a:t>2025-11-21</a:t>
+              <a:t>2025-11-27</a:t>
             </a:fld>
             <a:endParaRPr lang="en-CA"/>
           </a:p>
